--- a/Git/git_repository.pptx
+++ b/Git/git_repository.pptx
@@ -104,6 +104,11 @@
       </a:defRPr>
     </a:lvl9pPr>
   </p:defaultTextStyle>
+  <p:extLst>
+    <p:ext uri="{EFAFB233-063F-42B5-8137-9DF3F51BA10A}">
+      <p15:sldGuideLst xmlns:p15="http://schemas.microsoft.com/office/powerpoint/2012/main"/>
+    </p:ext>
+  </p:extLst>
 </p:presentation>
 </file>
 
@@ -238,7 +243,7 @@
           <a:p>
             <a:fld id="{7220E711-7678-4236-A66C-8656F24B7926}" type="datetimeFigureOut">
               <a:rPr kumimoji="1" lang="ja-JP" altLang="en-US" smtClean="0"/>
-              <a:t>2023/7/8</a:t>
+              <a:t>2023/7/9</a:t>
             </a:fld>
             <a:endParaRPr kumimoji="1" lang="ja-JP" altLang="en-US"/>
           </a:p>
@@ -440,7 +445,7 @@
           <a:p>
             <a:fld id="{7220E711-7678-4236-A66C-8656F24B7926}" type="datetimeFigureOut">
               <a:rPr kumimoji="1" lang="ja-JP" altLang="en-US" smtClean="0"/>
-              <a:t>2023/7/8</a:t>
+              <a:t>2023/7/9</a:t>
             </a:fld>
             <a:endParaRPr kumimoji="1" lang="ja-JP" altLang="en-US"/>
           </a:p>
@@ -652,7 +657,7 @@
           <a:p>
             <a:fld id="{7220E711-7678-4236-A66C-8656F24B7926}" type="datetimeFigureOut">
               <a:rPr kumimoji="1" lang="ja-JP" altLang="en-US" smtClean="0"/>
-              <a:t>2023/7/8</a:t>
+              <a:t>2023/7/9</a:t>
             </a:fld>
             <a:endParaRPr kumimoji="1" lang="ja-JP" altLang="en-US"/>
           </a:p>
@@ -854,7 +859,7 @@
           <a:p>
             <a:fld id="{7220E711-7678-4236-A66C-8656F24B7926}" type="datetimeFigureOut">
               <a:rPr kumimoji="1" lang="ja-JP" altLang="en-US" smtClean="0"/>
-              <a:t>2023/7/8</a:t>
+              <a:t>2023/7/9</a:t>
             </a:fld>
             <a:endParaRPr kumimoji="1" lang="ja-JP" altLang="en-US"/>
           </a:p>
@@ -1100,7 +1105,7 @@
           <a:p>
             <a:fld id="{7220E711-7678-4236-A66C-8656F24B7926}" type="datetimeFigureOut">
               <a:rPr kumimoji="1" lang="ja-JP" altLang="en-US" smtClean="0"/>
-              <a:t>2023/7/8</a:t>
+              <a:t>2023/7/9</a:t>
             </a:fld>
             <a:endParaRPr kumimoji="1" lang="ja-JP" altLang="en-US"/>
           </a:p>
@@ -1396,7 +1401,7 @@
           <a:p>
             <a:fld id="{7220E711-7678-4236-A66C-8656F24B7926}" type="datetimeFigureOut">
               <a:rPr kumimoji="1" lang="ja-JP" altLang="en-US" smtClean="0"/>
-              <a:t>2023/7/8</a:t>
+              <a:t>2023/7/9</a:t>
             </a:fld>
             <a:endParaRPr kumimoji="1" lang="ja-JP" altLang="en-US"/>
           </a:p>
@@ -1827,7 +1832,7 @@
           <a:p>
             <a:fld id="{7220E711-7678-4236-A66C-8656F24B7926}" type="datetimeFigureOut">
               <a:rPr kumimoji="1" lang="ja-JP" altLang="en-US" smtClean="0"/>
-              <a:t>2023/7/8</a:t>
+              <a:t>2023/7/9</a:t>
             </a:fld>
             <a:endParaRPr kumimoji="1" lang="ja-JP" altLang="en-US"/>
           </a:p>
@@ -1945,7 +1950,7 @@
           <a:p>
             <a:fld id="{7220E711-7678-4236-A66C-8656F24B7926}" type="datetimeFigureOut">
               <a:rPr kumimoji="1" lang="ja-JP" altLang="en-US" smtClean="0"/>
-              <a:t>2023/7/8</a:t>
+              <a:t>2023/7/9</a:t>
             </a:fld>
             <a:endParaRPr kumimoji="1" lang="ja-JP" altLang="en-US"/>
           </a:p>
@@ -2040,7 +2045,7 @@
           <a:p>
             <a:fld id="{7220E711-7678-4236-A66C-8656F24B7926}" type="datetimeFigureOut">
               <a:rPr kumimoji="1" lang="ja-JP" altLang="en-US" smtClean="0"/>
-              <a:t>2023/7/8</a:t>
+              <a:t>2023/7/9</a:t>
             </a:fld>
             <a:endParaRPr kumimoji="1" lang="ja-JP" altLang="en-US"/>
           </a:p>
@@ -2349,7 +2354,7 @@
           <a:p>
             <a:fld id="{7220E711-7678-4236-A66C-8656F24B7926}" type="datetimeFigureOut">
               <a:rPr kumimoji="1" lang="ja-JP" altLang="en-US" smtClean="0"/>
-              <a:t>2023/7/8</a:t>
+              <a:t>2023/7/9</a:t>
             </a:fld>
             <a:endParaRPr kumimoji="1" lang="ja-JP" altLang="en-US"/>
           </a:p>
@@ -2602,7 +2607,7 @@
           <a:p>
             <a:fld id="{7220E711-7678-4236-A66C-8656F24B7926}" type="datetimeFigureOut">
               <a:rPr kumimoji="1" lang="ja-JP" altLang="en-US" smtClean="0"/>
-              <a:t>2023/7/8</a:t>
+              <a:t>2023/7/9</a:t>
             </a:fld>
             <a:endParaRPr kumimoji="1" lang="ja-JP" altLang="en-US"/>
           </a:p>
@@ -2847,7 +2852,7 @@
           <a:p>
             <a:fld id="{7220E711-7678-4236-A66C-8656F24B7926}" type="datetimeFigureOut">
               <a:rPr kumimoji="1" lang="ja-JP" altLang="en-US" smtClean="0"/>
-              <a:t>2023/7/8</a:t>
+              <a:t>2023/7/9</a:t>
             </a:fld>
             <a:endParaRPr kumimoji="1" lang="ja-JP" altLang="en-US"/>
           </a:p>
@@ -3260,7 +3265,7 @@
         </p:nvSpPr>
         <p:spPr>
           <a:xfrm>
-            <a:off x="135645" y="2912466"/>
+            <a:off x="135645" y="1839570"/>
             <a:ext cx="3556999" cy="3367837"/>
           </a:xfrm>
           <a:prstGeom prst="rect">
@@ -3300,7 +3305,7 @@
         </p:nvSpPr>
         <p:spPr>
           <a:xfrm>
-            <a:off x="4317501" y="2912466"/>
+            <a:off x="4317501" y="1839570"/>
             <a:ext cx="3556999" cy="3367837"/>
           </a:xfrm>
           <a:prstGeom prst="rect">
@@ -3340,7 +3345,7 @@
         </p:nvSpPr>
         <p:spPr>
           <a:xfrm>
-            <a:off x="8499357" y="2912466"/>
+            <a:off x="8499357" y="1839570"/>
             <a:ext cx="3556999" cy="3367837"/>
           </a:xfrm>
           <a:prstGeom prst="rect">
@@ -3380,7 +3385,7 @@
         </p:nvSpPr>
         <p:spPr>
           <a:xfrm>
-            <a:off x="0" y="2543134"/>
+            <a:off x="0" y="1470238"/>
             <a:ext cx="1255776" cy="369332"/>
           </a:xfrm>
           <a:prstGeom prst="rect">
@@ -3411,7 +3416,7 @@
         </p:nvSpPr>
         <p:spPr>
           <a:xfrm>
-            <a:off x="4249678" y="2543134"/>
+            <a:off x="4249678" y="1470238"/>
             <a:ext cx="1255776" cy="369332"/>
           </a:xfrm>
           <a:prstGeom prst="rect">
@@ -3442,7 +3447,7 @@
         </p:nvSpPr>
         <p:spPr>
           <a:xfrm>
-            <a:off x="8499356" y="2543134"/>
+            <a:off x="8499356" y="1470238"/>
             <a:ext cx="2449060" cy="369332"/>
           </a:xfrm>
           <a:prstGeom prst="rect">
@@ -3473,7 +3478,7 @@
         </p:nvSpPr>
         <p:spPr>
           <a:xfrm>
-            <a:off x="304800" y="3196454"/>
+            <a:off x="304800" y="2123558"/>
             <a:ext cx="1231392" cy="369332"/>
           </a:xfrm>
           <a:prstGeom prst="rect">
@@ -3490,11 +3495,11 @@
             <a:pPr algn="ctr"/>
             <a:r>
               <a:rPr lang="en-US" altLang="ja-JP" dirty="0"/>
-              <a:t>t</a:t>
-            </a:r>
-            <a:r>
-              <a:rPr kumimoji="1" lang="en-US" altLang="ja-JP" dirty="0" smtClean="0"/>
-              <a:t>mp1.txt</a:t>
+              <a:t>l</a:t>
+            </a:r>
+            <a:r>
+              <a:rPr lang="en-US" altLang="ja-JP" dirty="0" smtClean="0"/>
+              <a:t>ine 1</a:t>
             </a:r>
             <a:endParaRPr kumimoji="1" lang="ja-JP" altLang="en-US" dirty="0"/>
           </a:p>
@@ -3502,14 +3507,14 @@
       </p:sp>
       <p:sp>
         <p:nvSpPr>
-          <p:cNvPr id="11" name="テキスト ボックス 10"/>
+          <p:cNvPr id="13" name="テキスト ボックス 12"/>
           <p:cNvSpPr txBox="1"/>
           <p:nvPr/>
         </p:nvSpPr>
         <p:spPr>
           <a:xfrm>
-            <a:off x="8499356" y="3196454"/>
-            <a:ext cx="1231392" cy="369332"/>
+            <a:off x="170688" y="151561"/>
+            <a:ext cx="1231392" cy="461665"/>
           </a:xfrm>
           <a:prstGeom prst="rect">
             <a:avLst/>
@@ -3524,27 +3529,27 @@
           <a:p>
             <a:pPr algn="ctr"/>
             <a:r>
-              <a:rPr lang="en-US" altLang="ja-JP" dirty="0"/>
+              <a:rPr lang="en-US" altLang="ja-JP" sz="2400" b="1" dirty="0"/>
               <a:t>t</a:t>
             </a:r>
             <a:r>
-              <a:rPr kumimoji="1" lang="en-US" altLang="ja-JP" dirty="0" smtClean="0"/>
-              <a:t>mp1.txt</a:t>
-            </a:r>
-            <a:endParaRPr kumimoji="1" lang="ja-JP" altLang="en-US" dirty="0"/>
-          </a:p>
-        </p:txBody>
-      </p:sp>
-      <p:sp>
-        <p:nvSpPr>
-          <p:cNvPr id="12" name="テキスト ボックス 11"/>
+              <a:rPr kumimoji="1" lang="en-US" altLang="ja-JP" sz="2400" b="1" dirty="0" smtClean="0"/>
+              <a:t>mp.md</a:t>
+            </a:r>
+            <a:endParaRPr kumimoji="1" lang="ja-JP" altLang="en-US" b="1" dirty="0"/>
+          </a:p>
+        </p:txBody>
+      </p:sp>
+      <p:sp>
+        <p:nvSpPr>
+          <p:cNvPr id="14" name="テキスト ボックス 13"/>
           <p:cNvSpPr txBox="1"/>
           <p:nvPr/>
         </p:nvSpPr>
         <p:spPr>
           <a:xfrm>
-            <a:off x="4317501" y="3196454"/>
-            <a:ext cx="1231392" cy="369332"/>
+            <a:off x="8662416" y="2123558"/>
+            <a:ext cx="1231392" cy="923330"/>
           </a:xfrm>
           <a:prstGeom prst="rect">
             <a:avLst/>
@@ -3560,11 +3565,79 @@
             <a:pPr algn="ctr"/>
             <a:r>
               <a:rPr lang="en-US" altLang="ja-JP" dirty="0"/>
-              <a:t>t</a:t>
+              <a:t>l</a:t>
+            </a:r>
+            <a:r>
+              <a:rPr lang="en-US" altLang="ja-JP" dirty="0" smtClean="0"/>
+              <a:t>ine 1</a:t>
+            </a:r>
+          </a:p>
+          <a:p>
+            <a:pPr algn="ctr"/>
+            <a:r>
+              <a:rPr lang="en-US" altLang="ja-JP" dirty="0"/>
+              <a:t>l</a:t>
             </a:r>
             <a:r>
               <a:rPr kumimoji="1" lang="en-US" altLang="ja-JP" dirty="0" smtClean="0"/>
-              <a:t>mp1.txt</a:t>
+              <a:t>ine 2</a:t>
+            </a:r>
+          </a:p>
+          <a:p>
+            <a:pPr algn="ctr"/>
+            <a:r>
+              <a:rPr lang="en-US" altLang="ja-JP" dirty="0"/>
+              <a:t>l</a:t>
+            </a:r>
+            <a:r>
+              <a:rPr lang="en-US" altLang="ja-JP" dirty="0" smtClean="0"/>
+              <a:t>ine 3</a:t>
+            </a:r>
+            <a:endParaRPr kumimoji="1" lang="ja-JP" altLang="en-US" dirty="0"/>
+          </a:p>
+        </p:txBody>
+      </p:sp>
+      <p:sp>
+        <p:nvSpPr>
+          <p:cNvPr id="15" name="テキスト ボックス 14"/>
+          <p:cNvSpPr txBox="1"/>
+          <p:nvPr/>
+        </p:nvSpPr>
+        <p:spPr>
+          <a:xfrm>
+            <a:off x="4486656" y="2123558"/>
+            <a:ext cx="1231392" cy="646331"/>
+          </a:xfrm>
+          <a:prstGeom prst="rect">
+            <a:avLst/>
+          </a:prstGeom>
+          <a:noFill/>
+        </p:spPr>
+        <p:txBody>
+          <a:bodyPr wrap="square" rtlCol="0">
+            <a:spAutoFit/>
+          </a:bodyPr>
+          <a:lstStyle/>
+          <a:p>
+            <a:pPr algn="ctr"/>
+            <a:r>
+              <a:rPr lang="en-US" altLang="ja-JP" dirty="0"/>
+              <a:t>l</a:t>
+            </a:r>
+            <a:r>
+              <a:rPr lang="en-US" altLang="ja-JP" dirty="0" smtClean="0"/>
+              <a:t>ine 1</a:t>
+            </a:r>
+          </a:p>
+          <a:p>
+            <a:pPr algn="ctr"/>
+            <a:r>
+              <a:rPr lang="en-US" altLang="ja-JP" dirty="0"/>
+              <a:t>l</a:t>
+            </a:r>
+            <a:r>
+              <a:rPr kumimoji="1" lang="en-US" altLang="ja-JP" dirty="0" smtClean="0"/>
+              <a:t>ine 2</a:t>
             </a:r>
             <a:endParaRPr kumimoji="1" lang="ja-JP" altLang="en-US" dirty="0"/>
           </a:p>
